--- a/concept.pptx
+++ b/concept.pptx
@@ -7,25 +7,27 @@
   <p:sldIdLst>
     <p:sldId id="257" r:id="rId2"/>
     <p:sldId id="258" r:id="rId3"/>
+    <p:sldId id="259" r:id="rId4"/>
+    <p:sldId id="260" r:id="rId5"/>
   </p:sldIdLst>
   <p:sldSz cx="12192000" cy="6858000"/>
   <p:notesSz cx="6858000" cy="9144000"/>
   <p:embeddedFontLst>
     <p:embeddedFont>
-      <p:font typeface="KenVector Future" panose="00000400000000000000" pitchFamily="2" charset="-79"/>
-      <p:regular r:id="rId4"/>
-    </p:embeddedFont>
-    <p:embeddedFont>
       <p:font typeface="Calibri Light" panose="020F0302020204030204" pitchFamily="34" charset="0"/>
-      <p:regular r:id="rId5"/>
-      <p:italic r:id="rId6"/>
+      <p:regular r:id="rId6"/>
+      <p:italic r:id="rId7"/>
     </p:embeddedFont>
     <p:embeddedFont>
       <p:font typeface="Calibri" panose="020F0502020204030204" pitchFamily="34" charset="0"/>
-      <p:regular r:id="rId7"/>
-      <p:bold r:id="rId8"/>
-      <p:italic r:id="rId9"/>
-      <p:boldItalic r:id="rId10"/>
+      <p:regular r:id="rId8"/>
+      <p:bold r:id="rId9"/>
+      <p:italic r:id="rId10"/>
+      <p:boldItalic r:id="rId11"/>
+    </p:embeddedFont>
+    <p:embeddedFont>
+      <p:font typeface="KenVector Future" panose="00000400000000000000" pitchFamily="2" charset="-79"/>
+      <p:regular r:id="rId12"/>
     </p:embeddedFont>
   </p:embeddedFontLst>
   <p:defaultTextStyle>
@@ -262,7 +264,7 @@
           <a:p>
             <a:fld id="{22647FF4-3941-4AE2-B2EB-3B629FA100BC}" type="datetimeFigureOut">
               <a:rPr lang="en-GB" smtClean="0"/>
-              <a:t>27/09/2021</a:t>
+              <a:t>28/09/2021</a:t>
             </a:fld>
             <a:endParaRPr lang="en-GB"/>
           </a:p>
@@ -432,7 +434,7 @@
           <a:p>
             <a:fld id="{22647FF4-3941-4AE2-B2EB-3B629FA100BC}" type="datetimeFigureOut">
               <a:rPr lang="en-GB" smtClean="0"/>
-              <a:t>27/09/2021</a:t>
+              <a:t>28/09/2021</a:t>
             </a:fld>
             <a:endParaRPr lang="en-GB"/>
           </a:p>
@@ -612,7 +614,7 @@
           <a:p>
             <a:fld id="{22647FF4-3941-4AE2-B2EB-3B629FA100BC}" type="datetimeFigureOut">
               <a:rPr lang="en-GB" smtClean="0"/>
-              <a:t>27/09/2021</a:t>
+              <a:t>28/09/2021</a:t>
             </a:fld>
             <a:endParaRPr lang="en-GB"/>
           </a:p>
@@ -782,7 +784,7 @@
           <a:p>
             <a:fld id="{22647FF4-3941-4AE2-B2EB-3B629FA100BC}" type="datetimeFigureOut">
               <a:rPr lang="en-GB" smtClean="0"/>
-              <a:t>27/09/2021</a:t>
+              <a:t>28/09/2021</a:t>
             </a:fld>
             <a:endParaRPr lang="en-GB"/>
           </a:p>
@@ -1028,7 +1030,7 @@
           <a:p>
             <a:fld id="{22647FF4-3941-4AE2-B2EB-3B629FA100BC}" type="datetimeFigureOut">
               <a:rPr lang="en-GB" smtClean="0"/>
-              <a:t>27/09/2021</a:t>
+              <a:t>28/09/2021</a:t>
             </a:fld>
             <a:endParaRPr lang="en-GB"/>
           </a:p>
@@ -1260,7 +1262,7 @@
           <a:p>
             <a:fld id="{22647FF4-3941-4AE2-B2EB-3B629FA100BC}" type="datetimeFigureOut">
               <a:rPr lang="en-GB" smtClean="0"/>
-              <a:t>27/09/2021</a:t>
+              <a:t>28/09/2021</a:t>
             </a:fld>
             <a:endParaRPr lang="en-GB"/>
           </a:p>
@@ -1627,7 +1629,7 @@
           <a:p>
             <a:fld id="{22647FF4-3941-4AE2-B2EB-3B629FA100BC}" type="datetimeFigureOut">
               <a:rPr lang="en-GB" smtClean="0"/>
-              <a:t>27/09/2021</a:t>
+              <a:t>28/09/2021</a:t>
             </a:fld>
             <a:endParaRPr lang="en-GB"/>
           </a:p>
@@ -1745,7 +1747,7 @@
           <a:p>
             <a:fld id="{22647FF4-3941-4AE2-B2EB-3B629FA100BC}" type="datetimeFigureOut">
               <a:rPr lang="en-GB" smtClean="0"/>
-              <a:t>27/09/2021</a:t>
+              <a:t>28/09/2021</a:t>
             </a:fld>
             <a:endParaRPr lang="en-GB"/>
           </a:p>
@@ -1840,7 +1842,7 @@
           <a:p>
             <a:fld id="{22647FF4-3941-4AE2-B2EB-3B629FA100BC}" type="datetimeFigureOut">
               <a:rPr lang="en-GB" smtClean="0"/>
-              <a:t>27/09/2021</a:t>
+              <a:t>28/09/2021</a:t>
             </a:fld>
             <a:endParaRPr lang="en-GB"/>
           </a:p>
@@ -2117,7 +2119,7 @@
           <a:p>
             <a:fld id="{22647FF4-3941-4AE2-B2EB-3B629FA100BC}" type="datetimeFigureOut">
               <a:rPr lang="en-GB" smtClean="0"/>
-              <a:t>27/09/2021</a:t>
+              <a:t>28/09/2021</a:t>
             </a:fld>
             <a:endParaRPr lang="en-GB"/>
           </a:p>
@@ -2370,7 +2372,7 @@
           <a:p>
             <a:fld id="{22647FF4-3941-4AE2-B2EB-3B629FA100BC}" type="datetimeFigureOut">
               <a:rPr lang="en-GB" smtClean="0"/>
-              <a:t>27/09/2021</a:t>
+              <a:t>28/09/2021</a:t>
             </a:fld>
             <a:endParaRPr lang="en-GB"/>
           </a:p>
@@ -2583,7 +2585,7 @@
           <a:p>
             <a:fld id="{22647FF4-3941-4AE2-B2EB-3B629FA100BC}" type="datetimeFigureOut">
               <a:rPr lang="en-GB" smtClean="0"/>
-              <a:t>27/09/2021</a:t>
+              <a:t>28/09/2021</a:t>
             </a:fld>
             <a:endParaRPr lang="en-GB"/>
           </a:p>
@@ -3967,6 +3969,1341 @@
 </p:sld>
 </file>
 
+<file path=ppt/slides/slide3.xml><?xml version="1.0" encoding="utf-8"?>
+<p:sld xmlns:a="http://schemas.openxmlformats.org/drawingml/2006/main" xmlns:r="http://schemas.openxmlformats.org/officeDocument/2006/relationships" xmlns:p="http://schemas.openxmlformats.org/presentationml/2006/main">
+  <p:cSld>
+    <p:spTree>
+      <p:nvGrpSpPr>
+        <p:cNvPr id="1" name=""/>
+        <p:cNvGrpSpPr/>
+        <p:nvPr/>
+      </p:nvGrpSpPr>
+      <p:grpSpPr>
+        <a:xfrm>
+          <a:off x="0" y="0"/>
+          <a:ext cx="0" cy="0"/>
+          <a:chOff x="0" y="0"/>
+          <a:chExt cx="0" cy="0"/>
+        </a:xfrm>
+      </p:grpSpPr>
+      <p:pic>
+        <p:nvPicPr>
+          <p:cNvPr id="4" name="Picture 3"/>
+          <p:cNvPicPr>
+            <a:picLocks noChangeAspect="1"/>
+          </p:cNvPicPr>
+          <p:nvPr/>
+        </p:nvPicPr>
+        <p:blipFill>
+          <a:blip r:embed="rId2"/>
+          <a:stretch>
+            <a:fillRect/>
+          </a:stretch>
+        </p:blipFill>
+        <p:spPr>
+          <a:xfrm>
+            <a:off x="-43720" y="-157663"/>
+            <a:ext cx="12279439" cy="7173326"/>
+          </a:xfrm>
+          <a:prstGeom prst="rect">
+            <a:avLst/>
+          </a:prstGeom>
+        </p:spPr>
+      </p:pic>
+      <p:sp>
+        <p:nvSpPr>
+          <p:cNvPr id="10" name="TextBox 9"/>
+          <p:cNvSpPr txBox="1"/>
+          <p:nvPr/>
+        </p:nvSpPr>
+        <p:spPr>
+          <a:xfrm>
+            <a:off x="6003632" y="2527577"/>
+            <a:ext cx="184731" cy="369332"/>
+          </a:xfrm>
+          <a:prstGeom prst="rect">
+            <a:avLst/>
+          </a:prstGeom>
+          <a:noFill/>
+        </p:spPr>
+        <p:txBody>
+          <a:bodyPr wrap="none" rtlCol="0">
+            <a:spAutoFit/>
+          </a:bodyPr>
+          <a:lstStyle/>
+          <a:p>
+            <a:endParaRPr lang="en-GB" dirty="0"/>
+          </a:p>
+        </p:txBody>
+      </p:sp>
+      <p:pic>
+        <p:nvPicPr>
+          <p:cNvPr id="6" name="Picture 5"/>
+          <p:cNvPicPr>
+            <a:picLocks noChangeAspect="1"/>
+          </p:cNvPicPr>
+          <p:nvPr/>
+        </p:nvPicPr>
+        <p:blipFill>
+          <a:blip r:embed="rId3">
+            <a:extLst>
+              <a:ext uri="{28A0092B-C50C-407E-A947-70E740481C1C}">
+                <a14:useLocalDpi xmlns:a14="http://schemas.microsoft.com/office/drawing/2010/main" val="0"/>
+              </a:ext>
+            </a:extLst>
+          </a:blip>
+          <a:stretch>
+            <a:fillRect/>
+          </a:stretch>
+        </p:blipFill>
+        <p:spPr>
+          <a:xfrm>
+            <a:off x="3332146" y="211974"/>
+            <a:ext cx="5527699" cy="1055716"/>
+          </a:xfrm>
+          <a:prstGeom prst="rect">
+            <a:avLst/>
+          </a:prstGeom>
+        </p:spPr>
+      </p:pic>
+      <p:sp>
+        <p:nvSpPr>
+          <p:cNvPr id="8" name="TextBox 7"/>
+          <p:cNvSpPr txBox="1"/>
+          <p:nvPr/>
+        </p:nvSpPr>
+        <p:spPr>
+          <a:xfrm>
+            <a:off x="3332147" y="290946"/>
+            <a:ext cx="5527699" cy="707886"/>
+          </a:xfrm>
+          <a:prstGeom prst="rect">
+            <a:avLst/>
+          </a:prstGeom>
+          <a:noFill/>
+        </p:spPr>
+        <p:txBody>
+          <a:bodyPr wrap="square" rtlCol="0">
+            <a:spAutoFit/>
+          </a:bodyPr>
+          <a:lstStyle/>
+          <a:p>
+            <a:pPr algn="ctr"/>
+            <a:r>
+              <a:rPr lang="en-GB" sz="4000" dirty="0" smtClean="0">
+                <a:latin typeface="KenVector Future" panose="00000400000000000000" pitchFamily="2" charset="-79"/>
+                <a:cs typeface="KenVector Future" panose="00000400000000000000" pitchFamily="2" charset="-79"/>
+              </a:rPr>
+              <a:t> Select level</a:t>
+            </a:r>
+            <a:endParaRPr lang="en-GB" sz="4000" dirty="0">
+              <a:latin typeface="KenVector Future" panose="00000400000000000000" pitchFamily="2" charset="-79"/>
+              <a:cs typeface="KenVector Future" panose="00000400000000000000" pitchFamily="2" charset="-79"/>
+            </a:endParaRPr>
+          </a:p>
+        </p:txBody>
+      </p:sp>
+      <p:pic>
+        <p:nvPicPr>
+          <p:cNvPr id="14" name="Picture 13"/>
+          <p:cNvPicPr>
+            <a:picLocks noChangeAspect="1"/>
+          </p:cNvPicPr>
+          <p:nvPr/>
+        </p:nvPicPr>
+        <p:blipFill>
+          <a:blip r:embed="rId4">
+            <a:extLst>
+              <a:ext uri="{28A0092B-C50C-407E-A947-70E740481C1C}">
+                <a14:useLocalDpi xmlns:a14="http://schemas.microsoft.com/office/drawing/2010/main" val="0"/>
+              </a:ext>
+            </a:extLst>
+          </a:blip>
+          <a:stretch>
+            <a:fillRect/>
+          </a:stretch>
+        </p:blipFill>
+        <p:spPr>
+          <a:xfrm>
+            <a:off x="1758270" y="2144596"/>
+            <a:ext cx="819410" cy="819410"/>
+          </a:xfrm>
+          <a:prstGeom prst="rect">
+            <a:avLst/>
+          </a:prstGeom>
+        </p:spPr>
+      </p:pic>
+      <p:pic>
+        <p:nvPicPr>
+          <p:cNvPr id="21" name="Picture 20"/>
+          <p:cNvPicPr>
+            <a:picLocks noChangeAspect="1"/>
+          </p:cNvPicPr>
+          <p:nvPr/>
+        </p:nvPicPr>
+        <p:blipFill>
+          <a:blip r:embed="rId4">
+            <a:extLst>
+              <a:ext uri="{28A0092B-C50C-407E-A947-70E740481C1C}">
+                <a14:useLocalDpi xmlns:a14="http://schemas.microsoft.com/office/drawing/2010/main" val="0"/>
+              </a:ext>
+            </a:extLst>
+          </a:blip>
+          <a:stretch>
+            <a:fillRect/>
+          </a:stretch>
+        </p:blipFill>
+        <p:spPr>
+          <a:xfrm>
+            <a:off x="3332146" y="2146249"/>
+            <a:ext cx="819410" cy="819410"/>
+          </a:xfrm>
+          <a:prstGeom prst="rect">
+            <a:avLst/>
+          </a:prstGeom>
+        </p:spPr>
+      </p:pic>
+      <p:pic>
+        <p:nvPicPr>
+          <p:cNvPr id="22" name="Picture 21"/>
+          <p:cNvPicPr>
+            <a:picLocks noChangeAspect="1"/>
+          </p:cNvPicPr>
+          <p:nvPr/>
+        </p:nvPicPr>
+        <p:blipFill>
+          <a:blip r:embed="rId4">
+            <a:extLst>
+              <a:ext uri="{28A0092B-C50C-407E-A947-70E740481C1C}">
+                <a14:useLocalDpi xmlns:a14="http://schemas.microsoft.com/office/drawing/2010/main" val="0"/>
+              </a:ext>
+            </a:extLst>
+          </a:blip>
+          <a:stretch>
+            <a:fillRect/>
+          </a:stretch>
+        </p:blipFill>
+        <p:spPr>
+          <a:xfrm>
+            <a:off x="4906022" y="2147902"/>
+            <a:ext cx="819410" cy="819410"/>
+          </a:xfrm>
+          <a:prstGeom prst="rect">
+            <a:avLst/>
+          </a:prstGeom>
+        </p:spPr>
+      </p:pic>
+      <p:pic>
+        <p:nvPicPr>
+          <p:cNvPr id="23" name="Picture 22"/>
+          <p:cNvPicPr>
+            <a:picLocks noChangeAspect="1"/>
+          </p:cNvPicPr>
+          <p:nvPr/>
+        </p:nvPicPr>
+        <p:blipFill>
+          <a:blip r:embed="rId4">
+            <a:extLst>
+              <a:ext uri="{28A0092B-C50C-407E-A947-70E740481C1C}">
+                <a14:useLocalDpi xmlns:a14="http://schemas.microsoft.com/office/drawing/2010/main" val="0"/>
+              </a:ext>
+            </a:extLst>
+          </a:blip>
+          <a:stretch>
+            <a:fillRect/>
+          </a:stretch>
+        </p:blipFill>
+        <p:spPr>
+          <a:xfrm>
+            <a:off x="6479898" y="2149555"/>
+            <a:ext cx="819410" cy="819410"/>
+          </a:xfrm>
+          <a:prstGeom prst="rect">
+            <a:avLst/>
+          </a:prstGeom>
+        </p:spPr>
+      </p:pic>
+      <p:pic>
+        <p:nvPicPr>
+          <p:cNvPr id="24" name="Picture 23"/>
+          <p:cNvPicPr>
+            <a:picLocks noChangeAspect="1"/>
+          </p:cNvPicPr>
+          <p:nvPr/>
+        </p:nvPicPr>
+        <p:blipFill>
+          <a:blip r:embed="rId4">
+            <a:extLst>
+              <a:ext uri="{28A0092B-C50C-407E-A947-70E740481C1C}">
+                <a14:useLocalDpi xmlns:a14="http://schemas.microsoft.com/office/drawing/2010/main" val="0"/>
+              </a:ext>
+            </a:extLst>
+          </a:blip>
+          <a:stretch>
+            <a:fillRect/>
+          </a:stretch>
+        </p:blipFill>
+        <p:spPr>
+          <a:xfrm>
+            <a:off x="8053774" y="2151208"/>
+            <a:ext cx="819410" cy="819410"/>
+          </a:xfrm>
+          <a:prstGeom prst="rect">
+            <a:avLst/>
+          </a:prstGeom>
+        </p:spPr>
+      </p:pic>
+      <p:pic>
+        <p:nvPicPr>
+          <p:cNvPr id="25" name="Picture 24"/>
+          <p:cNvPicPr>
+            <a:picLocks noChangeAspect="1"/>
+          </p:cNvPicPr>
+          <p:nvPr/>
+        </p:nvPicPr>
+        <p:blipFill>
+          <a:blip r:embed="rId4">
+            <a:extLst>
+              <a:ext uri="{28A0092B-C50C-407E-A947-70E740481C1C}">
+                <a14:useLocalDpi xmlns:a14="http://schemas.microsoft.com/office/drawing/2010/main" val="0"/>
+              </a:ext>
+            </a:extLst>
+          </a:blip>
+          <a:stretch>
+            <a:fillRect/>
+          </a:stretch>
+        </p:blipFill>
+        <p:spPr>
+          <a:xfrm>
+            <a:off x="9627650" y="2152861"/>
+            <a:ext cx="819410" cy="819410"/>
+          </a:xfrm>
+          <a:prstGeom prst="rect">
+            <a:avLst/>
+          </a:prstGeom>
+        </p:spPr>
+      </p:pic>
+      <p:pic>
+        <p:nvPicPr>
+          <p:cNvPr id="33" name="Picture 32"/>
+          <p:cNvPicPr>
+            <a:picLocks noChangeAspect="1"/>
+          </p:cNvPicPr>
+          <p:nvPr/>
+        </p:nvPicPr>
+        <p:blipFill>
+          <a:blip r:embed="rId4">
+            <a:extLst>
+              <a:ext uri="{28A0092B-C50C-407E-A947-70E740481C1C}">
+                <a14:useLocalDpi xmlns:a14="http://schemas.microsoft.com/office/drawing/2010/main" val="0"/>
+              </a:ext>
+            </a:extLst>
+          </a:blip>
+          <a:stretch>
+            <a:fillRect/>
+          </a:stretch>
+        </p:blipFill>
+        <p:spPr>
+          <a:xfrm>
+            <a:off x="1758270" y="3561790"/>
+            <a:ext cx="819410" cy="819410"/>
+          </a:xfrm>
+          <a:prstGeom prst="rect">
+            <a:avLst/>
+          </a:prstGeom>
+        </p:spPr>
+      </p:pic>
+      <p:pic>
+        <p:nvPicPr>
+          <p:cNvPr id="34" name="Picture 33"/>
+          <p:cNvPicPr>
+            <a:picLocks noChangeAspect="1"/>
+          </p:cNvPicPr>
+          <p:nvPr/>
+        </p:nvPicPr>
+        <p:blipFill>
+          <a:blip r:embed="rId4">
+            <a:extLst>
+              <a:ext uri="{28A0092B-C50C-407E-A947-70E740481C1C}">
+                <a14:useLocalDpi xmlns:a14="http://schemas.microsoft.com/office/drawing/2010/main" val="0"/>
+              </a:ext>
+            </a:extLst>
+          </a:blip>
+          <a:stretch>
+            <a:fillRect/>
+          </a:stretch>
+        </p:blipFill>
+        <p:spPr>
+          <a:xfrm>
+            <a:off x="3332146" y="3563443"/>
+            <a:ext cx="819410" cy="819410"/>
+          </a:xfrm>
+          <a:prstGeom prst="rect">
+            <a:avLst/>
+          </a:prstGeom>
+        </p:spPr>
+      </p:pic>
+      <p:pic>
+        <p:nvPicPr>
+          <p:cNvPr id="39" name="Picture 38"/>
+          <p:cNvPicPr>
+            <a:picLocks noChangeAspect="1"/>
+          </p:cNvPicPr>
+          <p:nvPr/>
+        </p:nvPicPr>
+        <p:blipFill>
+          <a:blip r:embed="rId5">
+            <a:extLst>
+              <a:ext uri="{28A0092B-C50C-407E-A947-70E740481C1C}">
+                <a14:useLocalDpi xmlns:a14="http://schemas.microsoft.com/office/drawing/2010/main" val="0"/>
+              </a:ext>
+            </a:extLst>
+          </a:blip>
+          <a:stretch>
+            <a:fillRect/>
+          </a:stretch>
+        </p:blipFill>
+        <p:spPr>
+          <a:xfrm>
+            <a:off x="11201526" y="2964006"/>
+            <a:ext cx="831360" cy="660825"/>
+          </a:xfrm>
+          <a:prstGeom prst="rect">
+            <a:avLst/>
+          </a:prstGeom>
+        </p:spPr>
+      </p:pic>
+      <p:pic>
+        <p:nvPicPr>
+          <p:cNvPr id="40" name="Picture 39"/>
+          <p:cNvPicPr>
+            <a:picLocks noChangeAspect="1"/>
+          </p:cNvPicPr>
+          <p:nvPr/>
+        </p:nvPicPr>
+        <p:blipFill>
+          <a:blip r:embed="rId5">
+            <a:extLst>
+              <a:ext uri="{28A0092B-C50C-407E-A947-70E740481C1C}">
+                <a14:useLocalDpi xmlns:a14="http://schemas.microsoft.com/office/drawing/2010/main" val="0"/>
+              </a:ext>
+            </a:extLst>
+          </a:blip>
+          <a:stretch>
+            <a:fillRect/>
+          </a:stretch>
+        </p:blipFill>
+        <p:spPr>
+          <a:xfrm flipH="1">
+            <a:off x="397173" y="2970618"/>
+            <a:ext cx="831360" cy="660825"/>
+          </a:xfrm>
+          <a:prstGeom prst="rect">
+            <a:avLst/>
+          </a:prstGeom>
+        </p:spPr>
+      </p:pic>
+      <p:pic>
+        <p:nvPicPr>
+          <p:cNvPr id="41" name="Picture 40"/>
+          <p:cNvPicPr>
+            <a:picLocks noChangeAspect="1"/>
+          </p:cNvPicPr>
+          <p:nvPr/>
+        </p:nvPicPr>
+        <p:blipFill>
+          <a:blip r:embed="rId6">
+            <a:extLst>
+              <a:ext uri="{28A0092B-C50C-407E-A947-70E740481C1C}">
+                <a14:useLocalDpi xmlns:a14="http://schemas.microsoft.com/office/drawing/2010/main" val="0"/>
+              </a:ext>
+            </a:extLst>
+          </a:blip>
+          <a:stretch>
+            <a:fillRect/>
+          </a:stretch>
+        </p:blipFill>
+        <p:spPr>
+          <a:xfrm>
+            <a:off x="6479898" y="3561790"/>
+            <a:ext cx="819410" cy="819410"/>
+          </a:xfrm>
+          <a:prstGeom prst="rect">
+            <a:avLst/>
+          </a:prstGeom>
+        </p:spPr>
+      </p:pic>
+      <p:pic>
+        <p:nvPicPr>
+          <p:cNvPr id="42" name="Picture 41"/>
+          <p:cNvPicPr>
+            <a:picLocks noChangeAspect="1"/>
+          </p:cNvPicPr>
+          <p:nvPr/>
+        </p:nvPicPr>
+        <p:blipFill>
+          <a:blip r:embed="rId6">
+            <a:extLst>
+              <a:ext uri="{28A0092B-C50C-407E-A947-70E740481C1C}">
+                <a14:useLocalDpi xmlns:a14="http://schemas.microsoft.com/office/drawing/2010/main" val="0"/>
+              </a:ext>
+            </a:extLst>
+          </a:blip>
+          <a:stretch>
+            <a:fillRect/>
+          </a:stretch>
+        </p:blipFill>
+        <p:spPr>
+          <a:xfrm>
+            <a:off x="8053774" y="3576561"/>
+            <a:ext cx="819410" cy="819410"/>
+          </a:xfrm>
+          <a:prstGeom prst="rect">
+            <a:avLst/>
+          </a:prstGeom>
+        </p:spPr>
+      </p:pic>
+      <p:pic>
+        <p:nvPicPr>
+          <p:cNvPr id="43" name="Picture 42"/>
+          <p:cNvPicPr>
+            <a:picLocks noChangeAspect="1"/>
+          </p:cNvPicPr>
+          <p:nvPr/>
+        </p:nvPicPr>
+        <p:blipFill>
+          <a:blip r:embed="rId6">
+            <a:extLst>
+              <a:ext uri="{28A0092B-C50C-407E-A947-70E740481C1C}">
+                <a14:useLocalDpi xmlns:a14="http://schemas.microsoft.com/office/drawing/2010/main" val="0"/>
+              </a:ext>
+            </a:extLst>
+          </a:blip>
+          <a:stretch>
+            <a:fillRect/>
+          </a:stretch>
+        </p:blipFill>
+        <p:spPr>
+          <a:xfrm>
+            <a:off x="9627650" y="3591332"/>
+            <a:ext cx="819410" cy="819410"/>
+          </a:xfrm>
+          <a:prstGeom prst="rect">
+            <a:avLst/>
+          </a:prstGeom>
+        </p:spPr>
+      </p:pic>
+      <p:pic>
+        <p:nvPicPr>
+          <p:cNvPr id="44" name="Picture 43"/>
+          <p:cNvPicPr>
+            <a:picLocks noChangeAspect="1"/>
+          </p:cNvPicPr>
+          <p:nvPr/>
+        </p:nvPicPr>
+        <p:blipFill>
+          <a:blip r:embed="rId6">
+            <a:extLst>
+              <a:ext uri="{28A0092B-C50C-407E-A947-70E740481C1C}">
+                <a14:useLocalDpi xmlns:a14="http://schemas.microsoft.com/office/drawing/2010/main" val="0"/>
+              </a:ext>
+            </a:extLst>
+          </a:blip>
+          <a:stretch>
+            <a:fillRect/>
+          </a:stretch>
+        </p:blipFill>
+        <p:spPr>
+          <a:xfrm>
+            <a:off x="4906022" y="3591332"/>
+            <a:ext cx="819410" cy="819410"/>
+          </a:xfrm>
+          <a:prstGeom prst="rect">
+            <a:avLst/>
+          </a:prstGeom>
+        </p:spPr>
+      </p:pic>
+      <p:pic>
+        <p:nvPicPr>
+          <p:cNvPr id="47" name="Picture 46"/>
+          <p:cNvPicPr>
+            <a:picLocks noChangeAspect="1"/>
+          </p:cNvPicPr>
+          <p:nvPr/>
+        </p:nvPicPr>
+        <p:blipFill>
+          <a:blip r:embed="rId7">
+            <a:extLst>
+              <a:ext uri="{28A0092B-C50C-407E-A947-70E740481C1C}">
+                <a14:useLocalDpi xmlns:a14="http://schemas.microsoft.com/office/drawing/2010/main" val="0"/>
+              </a:ext>
+            </a:extLst>
+          </a:blip>
+          <a:stretch>
+            <a:fillRect/>
+          </a:stretch>
+        </p:blipFill>
+        <p:spPr>
+          <a:xfrm>
+            <a:off x="8608348" y="4109014"/>
+            <a:ext cx="361950" cy="342900"/>
+          </a:xfrm>
+          <a:prstGeom prst="rect">
+            <a:avLst/>
+          </a:prstGeom>
+        </p:spPr>
+      </p:pic>
+      <p:pic>
+        <p:nvPicPr>
+          <p:cNvPr id="48" name="Picture 47"/>
+          <p:cNvPicPr>
+            <a:picLocks noChangeAspect="1"/>
+          </p:cNvPicPr>
+          <p:nvPr/>
+        </p:nvPicPr>
+        <p:blipFill>
+          <a:blip r:embed="rId7">
+            <a:extLst>
+              <a:ext uri="{28A0092B-C50C-407E-A947-70E740481C1C}">
+                <a14:useLocalDpi xmlns:a14="http://schemas.microsoft.com/office/drawing/2010/main" val="0"/>
+              </a:ext>
+            </a:extLst>
+          </a:blip>
+          <a:stretch>
+            <a:fillRect/>
+          </a:stretch>
+        </p:blipFill>
+        <p:spPr>
+          <a:xfrm>
+            <a:off x="10241058" y="4109014"/>
+            <a:ext cx="361950" cy="342900"/>
+          </a:xfrm>
+          <a:prstGeom prst="rect">
+            <a:avLst/>
+          </a:prstGeom>
+        </p:spPr>
+      </p:pic>
+      <p:sp>
+        <p:nvSpPr>
+          <p:cNvPr id="49" name="TextBox 48"/>
+          <p:cNvSpPr txBox="1"/>
+          <p:nvPr/>
+        </p:nvSpPr>
+        <p:spPr>
+          <a:xfrm>
+            <a:off x="1841941" y="2151208"/>
+            <a:ext cx="9421804" cy="2123658"/>
+          </a:xfrm>
+          <a:prstGeom prst="rect">
+            <a:avLst/>
+          </a:prstGeom>
+          <a:noFill/>
+        </p:spPr>
+        <p:txBody>
+          <a:bodyPr wrap="square" rtlCol="0">
+            <a:spAutoFit/>
+          </a:bodyPr>
+          <a:lstStyle/>
+          <a:p>
+            <a:r>
+              <a:rPr lang="en-GB" sz="4400" dirty="0">
+                <a:latin typeface="KenVector Future" panose="00000400000000000000" pitchFamily="2" charset="-79"/>
+                <a:cs typeface="KenVector Future" panose="00000400000000000000" pitchFamily="2" charset="-79"/>
+              </a:rPr>
+              <a:t> </a:t>
+            </a:r>
+            <a:r>
+              <a:rPr lang="en-GB" sz="4400" dirty="0" smtClean="0">
+                <a:latin typeface="KenVector Future" panose="00000400000000000000" pitchFamily="2" charset="-79"/>
+                <a:cs typeface="KenVector Future" panose="00000400000000000000" pitchFamily="2" charset="-79"/>
+              </a:rPr>
+              <a:t>1         2        3        4        5        6</a:t>
+            </a:r>
+          </a:p>
+          <a:p>
+            <a:endParaRPr lang="en-GB" sz="4400" dirty="0">
+              <a:latin typeface="KenVector Future" panose="00000400000000000000" pitchFamily="2" charset="-79"/>
+              <a:cs typeface="KenVector Future" panose="00000400000000000000" pitchFamily="2" charset="-79"/>
+            </a:endParaRPr>
+          </a:p>
+          <a:p>
+            <a:r>
+              <a:rPr lang="en-GB" sz="4400" dirty="0" smtClean="0">
+                <a:latin typeface="KenVector Future" panose="00000400000000000000" pitchFamily="2" charset="-79"/>
+                <a:cs typeface="KenVector Future" panose="00000400000000000000" pitchFamily="2" charset="-79"/>
+              </a:rPr>
+              <a:t>7        8        9       10       11       12</a:t>
+            </a:r>
+            <a:endParaRPr lang="en-GB" sz="4400" dirty="0">
+              <a:latin typeface="KenVector Future" panose="00000400000000000000" pitchFamily="2" charset="-79"/>
+              <a:cs typeface="KenVector Future" panose="00000400000000000000" pitchFamily="2" charset="-79"/>
+            </a:endParaRPr>
+          </a:p>
+        </p:txBody>
+      </p:sp>
+      <p:pic>
+        <p:nvPicPr>
+          <p:cNvPr id="50" name="Picture 49"/>
+          <p:cNvPicPr>
+            <a:picLocks noChangeAspect="1"/>
+          </p:cNvPicPr>
+          <p:nvPr/>
+        </p:nvPicPr>
+        <p:blipFill>
+          <a:blip r:embed="rId8">
+            <a:extLst>
+              <a:ext uri="{28A0092B-C50C-407E-A947-70E740481C1C}">
+                <a14:useLocalDpi xmlns:a14="http://schemas.microsoft.com/office/drawing/2010/main" val="0"/>
+              </a:ext>
+            </a:extLst>
+          </a:blip>
+          <a:stretch>
+            <a:fillRect/>
+          </a:stretch>
+        </p:blipFill>
+        <p:spPr>
+          <a:xfrm>
+            <a:off x="5502582" y="2692350"/>
+            <a:ext cx="361950" cy="342900"/>
+          </a:xfrm>
+          <a:prstGeom prst="rect">
+            <a:avLst/>
+          </a:prstGeom>
+        </p:spPr>
+      </p:pic>
+      <p:pic>
+        <p:nvPicPr>
+          <p:cNvPr id="51" name="Picture 50"/>
+          <p:cNvPicPr>
+            <a:picLocks noChangeAspect="1"/>
+          </p:cNvPicPr>
+          <p:nvPr/>
+        </p:nvPicPr>
+        <p:blipFill>
+          <a:blip r:embed="rId8">
+            <a:extLst>
+              <a:ext uri="{28A0092B-C50C-407E-A947-70E740481C1C}">
+                <a14:useLocalDpi xmlns:a14="http://schemas.microsoft.com/office/drawing/2010/main" val="0"/>
+              </a:ext>
+            </a:extLst>
+          </a:blip>
+          <a:stretch>
+            <a:fillRect/>
+          </a:stretch>
+        </p:blipFill>
+        <p:spPr>
+          <a:xfrm>
+            <a:off x="2311562" y="4159188"/>
+            <a:ext cx="361950" cy="342900"/>
+          </a:xfrm>
+          <a:prstGeom prst="rect">
+            <a:avLst/>
+          </a:prstGeom>
+        </p:spPr>
+      </p:pic>
+      <p:pic>
+        <p:nvPicPr>
+          <p:cNvPr id="53" name="Picture 52"/>
+          <p:cNvPicPr>
+            <a:picLocks noChangeAspect="1"/>
+          </p:cNvPicPr>
+          <p:nvPr/>
+        </p:nvPicPr>
+        <p:blipFill>
+          <a:blip r:embed="rId8">
+            <a:extLst>
+              <a:ext uri="{28A0092B-C50C-407E-A947-70E740481C1C}">
+                <a14:useLocalDpi xmlns:a14="http://schemas.microsoft.com/office/drawing/2010/main" val="0"/>
+              </a:ext>
+            </a:extLst>
+          </a:blip>
+          <a:stretch>
+            <a:fillRect/>
+          </a:stretch>
+        </p:blipFill>
+        <p:spPr>
+          <a:xfrm>
+            <a:off x="7076458" y="2694003"/>
+            <a:ext cx="361950" cy="342900"/>
+          </a:xfrm>
+          <a:prstGeom prst="rect">
+            <a:avLst/>
+          </a:prstGeom>
+        </p:spPr>
+      </p:pic>
+      <p:pic>
+        <p:nvPicPr>
+          <p:cNvPr id="54" name="Picture 53"/>
+          <p:cNvPicPr>
+            <a:picLocks noChangeAspect="1"/>
+          </p:cNvPicPr>
+          <p:nvPr/>
+        </p:nvPicPr>
+        <p:blipFill>
+          <a:blip r:embed="rId9">
+            <a:extLst>
+              <a:ext uri="{28A0092B-C50C-407E-A947-70E740481C1C}">
+                <a14:useLocalDpi xmlns:a14="http://schemas.microsoft.com/office/drawing/2010/main" val="0"/>
+              </a:ext>
+            </a:extLst>
+          </a:blip>
+          <a:stretch>
+            <a:fillRect/>
+          </a:stretch>
+        </p:blipFill>
+        <p:spPr>
+          <a:xfrm>
+            <a:off x="195867" y="82087"/>
+            <a:ext cx="701907" cy="664964"/>
+          </a:xfrm>
+          <a:prstGeom prst="rect">
+            <a:avLst/>
+          </a:prstGeom>
+        </p:spPr>
+      </p:pic>
+    </p:spTree>
+    <p:extLst>
+      <p:ext uri="{BB962C8B-B14F-4D97-AF65-F5344CB8AC3E}">
+        <p14:creationId xmlns:p14="http://schemas.microsoft.com/office/powerpoint/2010/main" val="323430764"/>
+      </p:ext>
+    </p:extLst>
+  </p:cSld>
+  <p:clrMapOvr>
+    <a:masterClrMapping/>
+  </p:clrMapOvr>
+</p:sld>
+</file>
+
+<file path=ppt/slides/slide4.xml><?xml version="1.0" encoding="utf-8"?>
+<p:sld xmlns:a="http://schemas.openxmlformats.org/drawingml/2006/main" xmlns:r="http://schemas.openxmlformats.org/officeDocument/2006/relationships" xmlns:p="http://schemas.openxmlformats.org/presentationml/2006/main">
+  <p:cSld>
+    <p:spTree>
+      <p:nvGrpSpPr>
+        <p:cNvPr id="1" name=""/>
+        <p:cNvGrpSpPr/>
+        <p:nvPr/>
+      </p:nvGrpSpPr>
+      <p:grpSpPr>
+        <a:xfrm>
+          <a:off x="0" y="0"/>
+          <a:ext cx="0" cy="0"/>
+          <a:chOff x="0" y="0"/>
+          <a:chExt cx="0" cy="0"/>
+        </a:xfrm>
+      </p:grpSpPr>
+      <p:pic>
+        <p:nvPicPr>
+          <p:cNvPr id="4" name="Picture 3"/>
+          <p:cNvPicPr>
+            <a:picLocks noChangeAspect="1"/>
+          </p:cNvPicPr>
+          <p:nvPr/>
+        </p:nvPicPr>
+        <p:blipFill>
+          <a:blip r:embed="rId2"/>
+          <a:stretch>
+            <a:fillRect/>
+          </a:stretch>
+        </p:blipFill>
+        <p:spPr>
+          <a:xfrm>
+            <a:off x="-43719" y="-157663"/>
+            <a:ext cx="12235720" cy="7173326"/>
+          </a:xfrm>
+          <a:prstGeom prst="rect">
+            <a:avLst/>
+          </a:prstGeom>
+        </p:spPr>
+      </p:pic>
+      <p:sp>
+        <p:nvSpPr>
+          <p:cNvPr id="10" name="TextBox 9"/>
+          <p:cNvSpPr txBox="1"/>
+          <p:nvPr/>
+        </p:nvSpPr>
+        <p:spPr>
+          <a:xfrm>
+            <a:off x="6003632" y="2527577"/>
+            <a:ext cx="184731" cy="369332"/>
+          </a:xfrm>
+          <a:prstGeom prst="rect">
+            <a:avLst/>
+          </a:prstGeom>
+          <a:noFill/>
+        </p:spPr>
+        <p:txBody>
+          <a:bodyPr wrap="none" rtlCol="0">
+            <a:spAutoFit/>
+          </a:bodyPr>
+          <a:lstStyle/>
+          <a:p>
+            <a:endParaRPr lang="en-GB" dirty="0"/>
+          </a:p>
+        </p:txBody>
+      </p:sp>
+      <p:pic>
+        <p:nvPicPr>
+          <p:cNvPr id="2" name="Picture 1"/>
+          <p:cNvPicPr>
+            <a:picLocks noChangeAspect="1"/>
+          </p:cNvPicPr>
+          <p:nvPr/>
+        </p:nvPicPr>
+        <p:blipFill>
+          <a:blip r:embed="rId3">
+            <a:extLst>
+              <a:ext uri="{28A0092B-C50C-407E-A947-70E740481C1C}">
+                <a14:useLocalDpi xmlns:a14="http://schemas.microsoft.com/office/drawing/2010/main" val="0"/>
+              </a:ext>
+            </a:extLst>
+          </a:blip>
+          <a:stretch>
+            <a:fillRect/>
+          </a:stretch>
+        </p:blipFill>
+        <p:spPr>
+          <a:xfrm>
+            <a:off x="8362603" y="-157663"/>
+            <a:ext cx="3829397" cy="7173326"/>
+          </a:xfrm>
+          <a:prstGeom prst="rect">
+            <a:avLst/>
+          </a:prstGeom>
+        </p:spPr>
+      </p:pic>
+      <p:pic>
+        <p:nvPicPr>
+          <p:cNvPr id="5" name="Picture 4"/>
+          <p:cNvPicPr>
+            <a:picLocks noChangeAspect="1"/>
+          </p:cNvPicPr>
+          <p:nvPr/>
+        </p:nvPicPr>
+        <p:blipFill>
+          <a:blip r:embed="rId4">
+            <a:extLst>
+              <a:ext uri="{28A0092B-C50C-407E-A947-70E740481C1C}">
+                <a14:useLocalDpi xmlns:a14="http://schemas.microsoft.com/office/drawing/2010/main" val="0"/>
+              </a:ext>
+            </a:extLst>
+          </a:blip>
+          <a:stretch>
+            <a:fillRect/>
+          </a:stretch>
+        </p:blipFill>
+        <p:spPr>
+          <a:xfrm>
+            <a:off x="8615688" y="402560"/>
+            <a:ext cx="1095117" cy="1095117"/>
+          </a:xfrm>
+          <a:prstGeom prst="rect">
+            <a:avLst/>
+          </a:prstGeom>
+        </p:spPr>
+      </p:pic>
+      <p:pic>
+        <p:nvPicPr>
+          <p:cNvPr id="31" name="Picture 30"/>
+          <p:cNvPicPr>
+            <a:picLocks noChangeAspect="1"/>
+          </p:cNvPicPr>
+          <p:nvPr/>
+        </p:nvPicPr>
+        <p:blipFill>
+          <a:blip r:embed="rId4">
+            <a:extLst>
+              <a:ext uri="{28A0092B-C50C-407E-A947-70E740481C1C}">
+                <a14:useLocalDpi xmlns:a14="http://schemas.microsoft.com/office/drawing/2010/main" val="0"/>
+              </a:ext>
+            </a:extLst>
+          </a:blip>
+          <a:stretch>
+            <a:fillRect/>
+          </a:stretch>
+        </p:blipFill>
+        <p:spPr>
+          <a:xfrm>
+            <a:off x="10318107" y="402559"/>
+            <a:ext cx="1095117" cy="1095117"/>
+          </a:xfrm>
+          <a:prstGeom prst="rect">
+            <a:avLst/>
+          </a:prstGeom>
+        </p:spPr>
+      </p:pic>
+      <p:pic>
+        <p:nvPicPr>
+          <p:cNvPr id="32" name="Picture 31"/>
+          <p:cNvPicPr>
+            <a:picLocks noChangeAspect="1"/>
+          </p:cNvPicPr>
+          <p:nvPr/>
+        </p:nvPicPr>
+        <p:blipFill>
+          <a:blip r:embed="rId4">
+            <a:extLst>
+              <a:ext uri="{28A0092B-C50C-407E-A947-70E740481C1C}">
+                <a14:useLocalDpi xmlns:a14="http://schemas.microsoft.com/office/drawing/2010/main" val="0"/>
+              </a:ext>
+            </a:extLst>
+          </a:blip>
+          <a:stretch>
+            <a:fillRect/>
+          </a:stretch>
+        </p:blipFill>
+        <p:spPr>
+          <a:xfrm>
+            <a:off x="8615688" y="2057899"/>
+            <a:ext cx="1095117" cy="1095117"/>
+          </a:xfrm>
+          <a:prstGeom prst="rect">
+            <a:avLst/>
+          </a:prstGeom>
+        </p:spPr>
+      </p:pic>
+      <p:pic>
+        <p:nvPicPr>
+          <p:cNvPr id="35" name="Picture 34"/>
+          <p:cNvPicPr>
+            <a:picLocks noChangeAspect="1"/>
+          </p:cNvPicPr>
+          <p:nvPr/>
+        </p:nvPicPr>
+        <p:blipFill>
+          <a:blip r:embed="rId4">
+            <a:extLst>
+              <a:ext uri="{28A0092B-C50C-407E-A947-70E740481C1C}">
+                <a14:useLocalDpi xmlns:a14="http://schemas.microsoft.com/office/drawing/2010/main" val="0"/>
+              </a:ext>
+            </a:extLst>
+          </a:blip>
+          <a:stretch>
+            <a:fillRect/>
+          </a:stretch>
+        </p:blipFill>
+        <p:spPr>
+          <a:xfrm>
+            <a:off x="10318107" y="2057898"/>
+            <a:ext cx="1095117" cy="1095117"/>
+          </a:xfrm>
+          <a:prstGeom prst="rect">
+            <a:avLst/>
+          </a:prstGeom>
+        </p:spPr>
+      </p:pic>
+      <p:pic>
+        <p:nvPicPr>
+          <p:cNvPr id="36" name="Picture 35"/>
+          <p:cNvPicPr>
+            <a:picLocks noChangeAspect="1"/>
+          </p:cNvPicPr>
+          <p:nvPr/>
+        </p:nvPicPr>
+        <p:blipFill>
+          <a:blip r:embed="rId4">
+            <a:extLst>
+              <a:ext uri="{28A0092B-C50C-407E-A947-70E740481C1C}">
+                <a14:useLocalDpi xmlns:a14="http://schemas.microsoft.com/office/drawing/2010/main" val="0"/>
+              </a:ext>
+            </a:extLst>
+          </a:blip>
+          <a:stretch>
+            <a:fillRect/>
+          </a:stretch>
+        </p:blipFill>
+        <p:spPr>
+          <a:xfrm>
+            <a:off x="8615688" y="3713238"/>
+            <a:ext cx="1095117" cy="1095117"/>
+          </a:xfrm>
+          <a:prstGeom prst="rect">
+            <a:avLst/>
+          </a:prstGeom>
+        </p:spPr>
+      </p:pic>
+      <p:pic>
+        <p:nvPicPr>
+          <p:cNvPr id="37" name="Picture 36"/>
+          <p:cNvPicPr>
+            <a:picLocks noChangeAspect="1"/>
+          </p:cNvPicPr>
+          <p:nvPr/>
+        </p:nvPicPr>
+        <p:blipFill>
+          <a:blip r:embed="rId4">
+            <a:extLst>
+              <a:ext uri="{28A0092B-C50C-407E-A947-70E740481C1C}">
+                <a14:useLocalDpi xmlns:a14="http://schemas.microsoft.com/office/drawing/2010/main" val="0"/>
+              </a:ext>
+            </a:extLst>
+          </a:blip>
+          <a:stretch>
+            <a:fillRect/>
+          </a:stretch>
+        </p:blipFill>
+        <p:spPr>
+          <a:xfrm>
+            <a:off x="10318107" y="3713237"/>
+            <a:ext cx="1095117" cy="1095117"/>
+          </a:xfrm>
+          <a:prstGeom prst="rect">
+            <a:avLst/>
+          </a:prstGeom>
+        </p:spPr>
+      </p:pic>
+      <p:pic>
+        <p:nvPicPr>
+          <p:cNvPr id="38" name="Picture 37"/>
+          <p:cNvPicPr>
+            <a:picLocks noChangeAspect="1"/>
+          </p:cNvPicPr>
+          <p:nvPr/>
+        </p:nvPicPr>
+        <p:blipFill>
+          <a:blip r:embed="rId4">
+            <a:extLst>
+              <a:ext uri="{28A0092B-C50C-407E-A947-70E740481C1C}">
+                <a14:useLocalDpi xmlns:a14="http://schemas.microsoft.com/office/drawing/2010/main" val="0"/>
+              </a:ext>
+            </a:extLst>
+          </a:blip>
+          <a:stretch>
+            <a:fillRect/>
+          </a:stretch>
+        </p:blipFill>
+        <p:spPr>
+          <a:xfrm>
+            <a:off x="8615688" y="5368577"/>
+            <a:ext cx="1095117" cy="1095117"/>
+          </a:xfrm>
+          <a:prstGeom prst="rect">
+            <a:avLst/>
+          </a:prstGeom>
+        </p:spPr>
+      </p:pic>
+      <p:pic>
+        <p:nvPicPr>
+          <p:cNvPr id="45" name="Picture 44"/>
+          <p:cNvPicPr>
+            <a:picLocks noChangeAspect="1"/>
+          </p:cNvPicPr>
+          <p:nvPr/>
+        </p:nvPicPr>
+        <p:blipFill>
+          <a:blip r:embed="rId4">
+            <a:extLst>
+              <a:ext uri="{28A0092B-C50C-407E-A947-70E740481C1C}">
+                <a14:useLocalDpi xmlns:a14="http://schemas.microsoft.com/office/drawing/2010/main" val="0"/>
+              </a:ext>
+            </a:extLst>
+          </a:blip>
+          <a:stretch>
+            <a:fillRect/>
+          </a:stretch>
+        </p:blipFill>
+        <p:spPr>
+          <a:xfrm>
+            <a:off x="10318107" y="5368576"/>
+            <a:ext cx="1095117" cy="1095117"/>
+          </a:xfrm>
+          <a:prstGeom prst="rect">
+            <a:avLst/>
+          </a:prstGeom>
+        </p:spPr>
+      </p:pic>
+      <p:pic>
+        <p:nvPicPr>
+          <p:cNvPr id="7" name="Picture 6"/>
+          <p:cNvPicPr>
+            <a:picLocks noChangeAspect="1"/>
+          </p:cNvPicPr>
+          <p:nvPr/>
+        </p:nvPicPr>
+        <p:blipFill>
+          <a:blip r:embed="rId5">
+            <a:extLst>
+              <a:ext uri="{28A0092B-C50C-407E-A947-70E740481C1C}">
+                <a14:useLocalDpi xmlns:a14="http://schemas.microsoft.com/office/drawing/2010/main" val="0"/>
+              </a:ext>
+            </a:extLst>
+          </a:blip>
+          <a:stretch>
+            <a:fillRect/>
+          </a:stretch>
+        </p:blipFill>
+        <p:spPr>
+          <a:xfrm>
+            <a:off x="11556183" y="-14982"/>
+            <a:ext cx="626312" cy="417541"/>
+          </a:xfrm>
+          <a:prstGeom prst="rect">
+            <a:avLst/>
+          </a:prstGeom>
+        </p:spPr>
+      </p:pic>
+      <p:pic>
+        <p:nvPicPr>
+          <p:cNvPr id="9" name="Picture 8"/>
+          <p:cNvPicPr>
+            <a:picLocks noChangeAspect="1"/>
+          </p:cNvPicPr>
+          <p:nvPr/>
+        </p:nvPicPr>
+        <p:blipFill>
+          <a:blip r:embed="rId6">
+            <a:extLst>
+              <a:ext uri="{28A0092B-C50C-407E-A947-70E740481C1C}">
+                <a14:useLocalDpi xmlns:a14="http://schemas.microsoft.com/office/drawing/2010/main" val="0"/>
+              </a:ext>
+            </a:extLst>
+          </a:blip>
+          <a:stretch>
+            <a:fillRect/>
+          </a:stretch>
+        </p:blipFill>
+        <p:spPr>
+          <a:xfrm>
+            <a:off x="11578976" y="6463693"/>
+            <a:ext cx="580725" cy="387150"/>
+          </a:xfrm>
+          <a:prstGeom prst="rect">
+            <a:avLst/>
+          </a:prstGeom>
+        </p:spPr>
+      </p:pic>
+      <p:pic>
+        <p:nvPicPr>
+          <p:cNvPr id="11" name="Picture 10"/>
+          <p:cNvPicPr>
+            <a:picLocks noChangeAspect="1"/>
+          </p:cNvPicPr>
+          <p:nvPr/>
+        </p:nvPicPr>
+        <p:blipFill>
+          <a:blip r:embed="rId7">
+            <a:extLst>
+              <a:ext uri="{28A0092B-C50C-407E-A947-70E740481C1C}">
+                <a14:useLocalDpi xmlns:a14="http://schemas.microsoft.com/office/drawing/2010/main" val="0"/>
+              </a:ext>
+            </a:extLst>
+          </a:blip>
+          <a:stretch>
+            <a:fillRect/>
+          </a:stretch>
+        </p:blipFill>
+        <p:spPr>
+          <a:xfrm>
+            <a:off x="11748110" y="402559"/>
+            <a:ext cx="242456" cy="4011499"/>
+          </a:xfrm>
+          <a:prstGeom prst="rect">
+            <a:avLst/>
+          </a:prstGeom>
+        </p:spPr>
+      </p:pic>
+      <p:pic>
+        <p:nvPicPr>
+          <p:cNvPr id="13" name="Picture 12"/>
+          <p:cNvPicPr>
+            <a:picLocks noChangeAspect="1"/>
+          </p:cNvPicPr>
+          <p:nvPr/>
+        </p:nvPicPr>
+        <p:blipFill>
+          <a:blip r:embed="rId8">
+            <a:extLst>
+              <a:ext uri="{28A0092B-C50C-407E-A947-70E740481C1C}">
+                <a14:useLocalDpi xmlns:a14="http://schemas.microsoft.com/office/drawing/2010/main" val="0"/>
+              </a:ext>
+            </a:extLst>
+          </a:blip>
+          <a:stretch>
+            <a:fillRect/>
+          </a:stretch>
+        </p:blipFill>
+        <p:spPr>
+          <a:xfrm>
+            <a:off x="218294" y="6048626"/>
+            <a:ext cx="903923" cy="830133"/>
+          </a:xfrm>
+          <a:prstGeom prst="rect">
+            <a:avLst/>
+          </a:prstGeom>
+        </p:spPr>
+      </p:pic>
+      <p:pic>
+        <p:nvPicPr>
+          <p:cNvPr id="15" name="Picture 14"/>
+          <p:cNvPicPr>
+            <a:picLocks noChangeAspect="1"/>
+          </p:cNvPicPr>
+          <p:nvPr/>
+        </p:nvPicPr>
+        <p:blipFill>
+          <a:blip r:embed="rId9">
+            <a:extLst>
+              <a:ext uri="{28A0092B-C50C-407E-A947-70E740481C1C}">
+                <a14:useLocalDpi xmlns:a14="http://schemas.microsoft.com/office/drawing/2010/main" val="0"/>
+              </a:ext>
+            </a:extLst>
+          </a:blip>
+          <a:stretch>
+            <a:fillRect/>
+          </a:stretch>
+        </p:blipFill>
+        <p:spPr>
+          <a:xfrm>
+            <a:off x="362597" y="6172227"/>
+            <a:ext cx="615315" cy="582930"/>
+          </a:xfrm>
+          <a:prstGeom prst="rect">
+            <a:avLst/>
+          </a:prstGeom>
+        </p:spPr>
+      </p:pic>
+      <p:pic>
+        <p:nvPicPr>
+          <p:cNvPr id="16" name="Picture 15"/>
+          <p:cNvPicPr>
+            <a:picLocks noChangeAspect="1"/>
+          </p:cNvPicPr>
+          <p:nvPr/>
+        </p:nvPicPr>
+        <p:blipFill>
+          <a:blip r:embed="rId10">
+            <a:extLst>
+              <a:ext uri="{28A0092B-C50C-407E-A947-70E740481C1C}">
+                <a14:useLocalDpi xmlns:a14="http://schemas.microsoft.com/office/drawing/2010/main" val="0"/>
+              </a:ext>
+            </a:extLst>
+          </a:blip>
+          <a:stretch>
+            <a:fillRect/>
+          </a:stretch>
+        </p:blipFill>
+        <p:spPr>
+          <a:xfrm>
+            <a:off x="121054" y="131965"/>
+            <a:ext cx="361950" cy="342900"/>
+          </a:xfrm>
+          <a:prstGeom prst="rect">
+            <a:avLst/>
+          </a:prstGeom>
+        </p:spPr>
+      </p:pic>
+    </p:spTree>
+    <p:extLst>
+      <p:ext uri="{BB962C8B-B14F-4D97-AF65-F5344CB8AC3E}">
+        <p14:creationId xmlns:p14="http://schemas.microsoft.com/office/powerpoint/2010/main" val="52552630"/>
+      </p:ext>
+    </p:extLst>
+  </p:cSld>
+  <p:clrMapOvr>
+    <a:masterClrMapping/>
+  </p:clrMapOvr>
+</p:sld>
+</file>
+
 <file path=ppt/theme/theme1.xml><?xml version="1.0" encoding="utf-8"?>
 <a:theme xmlns:a="http://schemas.openxmlformats.org/drawingml/2006/main" name="Office Theme">
   <a:themeElements>
